--- a/output/Large batch optimization for deep learning  Training bert in 76 minutes.pptx
+++ b/output/Large batch optimization for deep learning  Training bert in 76 minutes.pptx
@@ -14,12 +14,6 @@
     <p:sldId id="261" r:id="rId9"/>
     <p:sldId id="262" r:id="rId10"/>
     <p:sldId id="263" r:id="rId11"/>
-    <p:sldId id="264" r:id="rId12"/>
-    <p:sldId id="265" r:id="rId13"/>
-    <p:sldId id="266" r:id="rId14"/>
-    <p:sldId id="267" r:id="rId15"/>
-    <p:sldId id="268" r:id="rId16"/>
-    <p:sldId id="269" r:id="rId17"/>
   </p:sldIdLst>
   <p:sldSz cx="9144000" cy="5143500"/>
   <p:notesSz cx="7559675" cy="10691812"/>
@@ -3404,8 +3398,8 @@
 </p:sld>
 </file>
 
-<file path=ppt/slides/slide10.xml><?xml version="1.0" encoding="utf-8"?>
-<p:sld xmlns:a="http://schemas.openxmlformats.org/drawingml/2006/main" xmlns:p="http://schemas.openxmlformats.org/presentationml/2006/main" xmlns:r="http://schemas.openxmlformats.org/officeDocument/2006/relationships">
+<file path=ppt/slides/slide2.xml><?xml version="1.0" encoding="utf-8"?>
+<p:sld xmlns:a="http://schemas.openxmlformats.org/drawingml/2006/main" xmlns:p="http://schemas.openxmlformats.org/presentationml/2006/main" xmlns:r="http://schemas.openxmlformats.org/officeDocument/2006/relationships" xmlns:p14="http://schemas.microsoft.com/office/powerpoint/2010/main" xmlns:p15="http://schemas.microsoft.com/office/powerpoint/2012/main" xmlns:mc="http://schemas.openxmlformats.org/markup-compatibility/2006">
   <p:cSld>
     <p:spTree>
       <p:nvGrpSpPr>
@@ -3413,7 +3407,14 @@
         <p:cNvGrpSpPr/>
         <p:nvPr/>
       </p:nvGrpSpPr>
-      <p:grpSpPr/>
+      <p:grpSpPr>
+        <a:xfrm>
+          <a:off x="0" y="0"/>
+          <a:ext cx="0" cy="0"/>
+          <a:chOff x="0" y="0"/>
+          <a:chExt cx="0" cy="0"/>
+        </a:xfrm>
+      </p:grpSpPr>
       <p:sp>
         <p:nvSpPr>
           <p:cNvPr id="78" name="CustomShape 1"/>
@@ -3460,7 +3461,7 @@
                 <a:latin typeface="Montserrat ExtraBold"/>
                 <a:ea typeface="Montserrat ExtraBold"/>
               </a:rPr>
-              <a:t>Hyperparameter Tuning</a:t>
+              <a:t>Introduction to Large Batch Optimization for Deep Learning</a:t>
             </a:r>
             <a:endParaRPr b="0" lang="en-US" sz="2400" spc="-1" strike="noStrike">
               <a:latin typeface="Arial"/>
@@ -3514,7 +3515,8 @@
                 <a:latin typeface="Montserrat"/>
                 <a:ea typeface="Montserrat"/>
               </a:rPr>
-              <a:t>Analysis of hyperparameter tuning results with LAMB, achieving target accuracy at different batch sizes for optimal performance.</a:t>
+              <a:t>- Discuss the challenges of training large deep neural networks
+- Highlight the importance of developing optimization techniques to accelerate training</a:t>
             </a:r>
             <a:endParaRPr b="0" lang="en-US" sz="2000" spc="-1" strike="noStrike">
               <a:latin typeface="Arial"/>
@@ -3602,13 +3604,18 @@
       </p:sp>
     </p:spTree>
   </p:cSld>
-  <p:clrMapOvr>
-    <a:masterClrMapping/>
-  </p:clrMapOvr>
+  <mc:AlternateContent>
+    <mc:Choice Requires="p14">
+      <p:transition spd="slow" p14:dur="2000"/>
+    </mc:Choice>
+    <mc:Fallback>
+      <p:transition spd="slow"/>
+    </mc:Fallback>
+  </mc:AlternateContent>
 </p:sld>
 </file>
 
-<file path=ppt/slides/slide11.xml><?xml version="1.0" encoding="utf-8"?>
+<file path=ppt/slides/slide3.xml><?xml version="1.0" encoding="utf-8"?>
 <p:sld xmlns:a="http://schemas.openxmlformats.org/drawingml/2006/main" xmlns:p="http://schemas.openxmlformats.org/presentationml/2006/main" xmlns:r="http://schemas.openxmlformats.org/officeDocument/2006/relationships">
   <p:cSld>
     <p:spTree>
@@ -3664,7 +3671,7 @@
                 <a:latin typeface="Montserrat ExtraBold"/>
                 <a:ea typeface="Montserrat ExtraBold"/>
               </a:rPr>
-              <a:t>Convergence Analysis</a:t>
+              <a:t>Adaptive Learning Rates for Large Batch Training</a:t>
             </a:r>
             <a:endParaRPr b="0" lang="en-US" sz="2400" spc="-1" strike="noStrike">
               <a:latin typeface="Arial"/>
@@ -3718,7 +3725,9 @@
                 <a:latin typeface="Montserrat"/>
                 <a:ea typeface="Montserrat"/>
               </a:rPr>
-              <a:t>Analyzing the convergence of LARS and LAMB for general minibatch size, showing efficiency gains over traditional optimization methods.</a:t>
+              <a:t>- Overview of the need for adaptive learning rates in large batch training
+- Discuss the significance of Goyal et al.'s work in reducing training time for ResNet-50
+- Mention the first work to reduce BERT training time to less than a couple of hours</a:t>
             </a:r>
             <a:endParaRPr b="0" lang="en-US" sz="2000" spc="-1" strike="noStrike">
               <a:latin typeface="Arial"/>
@@ -3812,7 +3821,7 @@
 </p:sld>
 </file>
 
-<file path=ppt/slides/slide12.xml><?xml version="1.0" encoding="utf-8"?>
+<file path=ppt/slides/slide4.xml><?xml version="1.0" encoding="utf-8"?>
 <p:sld xmlns:a="http://schemas.openxmlformats.org/drawingml/2006/main" xmlns:p="http://schemas.openxmlformats.org/presentationml/2006/main" xmlns:r="http://schemas.openxmlformats.org/officeDocument/2006/relationships">
   <p:cSld>
     <p:spTree>
@@ -3868,7 +3877,7 @@
                 <a:latin typeface="Montserrat ExtraBold"/>
                 <a:ea typeface="Montserrat ExtraBold"/>
               </a:rPr>
-              <a:t>N-LAMB and NN- LAMB</a:t>
+              <a:t>Stochastic Gradient Descent in Large Batch Settings</a:t>
             </a:r>
             <a:endParaRPr b="0" lang="en-US" sz="2400" spc="-1" strike="noStrike">
               <a:latin typeface="Arial"/>
@@ -3922,7 +3931,9 @@
                 <a:latin typeface="Montserrat"/>
                 <a:ea typeface="Montserrat"/>
               </a:rPr>
-              <a:t>Implementing N-LAMB and NN-LAMB for scalable training on ImageNet and ResNet-50, showcasing comparable accuracy and improved performance.</a:t>
+              <a:t>- Explanation of stochastic gradient descent and its limitations in large batch settings
+- Discussion on strategies to adapt the learning rate in deep learning, focusing on training h-layer neural networks
+- Importance of normalizing the update and using momentum optimizer for faster convergence</a:t>
             </a:r>
             <a:endParaRPr b="0" lang="en-US" sz="2000" spc="-1" strike="noStrike">
               <a:latin typeface="Arial"/>
@@ -4016,7 +4027,7 @@
 </p:sld>
 </file>
 
-<file path=ppt/slides/slide13.xml><?xml version="1.0" encoding="utf-8"?>
+<file path=ppt/slides/slide5.xml><?xml version="1.0" encoding="utf-8"?>
 <p:sld xmlns:a="http://schemas.openxmlformats.org/drawingml/2006/main" xmlns:p="http://schemas.openxmlformats.org/presentationml/2006/main" xmlns:r="http://schemas.openxmlformats.org/officeDocument/2006/relationships">
   <p:cSld>
     <p:spTree>
@@ -4072,7 +4083,7 @@
                 <a:latin typeface="Montserrat ExtraBold"/>
                 <a:ea typeface="Montserrat ExtraBold"/>
               </a:rPr>
-              <a:t>Learning Rate Importance</a:t>
+              <a:t>LARS and LAMB Optimizers</a:t>
             </a:r>
             <a:endParaRPr b="0" lang="en-US" sz="2400" spc="-1" strike="noStrike">
               <a:latin typeface="Arial"/>
@@ -4126,7 +4137,9 @@
                 <a:latin typeface="Montserrat"/>
                 <a:ea typeface="Montserrat"/>
               </a:rPr>
-              <a:t>Discussion on the significance of learning rate tuning in improving learning efficiency and final accuracy in deep learning tasks.</a:t>
+              <a:t>- Overview of LARS (Layer-wise Adaptive Rate Scaling) and its benefits
+- Introduction to LAMB (Layer-wise Adaptive Moments optimizer for Batch training)
+- Comparison of convergence rates and adaptivity of LARS and LAMB in large batch settings</a:t>
             </a:r>
             <a:endParaRPr b="0" lang="en-US" sz="2000" spc="-1" strike="noStrike">
               <a:latin typeface="Arial"/>
@@ -4220,7 +4233,7 @@
 </p:sld>
 </file>
 
-<file path=ppt/slides/slide14.xml><?xml version="1.0" encoding="utf-8"?>
+<file path=ppt/slides/slide6.xml><?xml version="1.0" encoding="utf-8"?>
 <p:sld xmlns:a="http://schemas.openxmlformats.org/drawingml/2006/main" xmlns:p="http://schemas.openxmlformats.org/presentationml/2006/main" xmlns:r="http://schemas.openxmlformats.org/officeDocument/2006/relationships">
   <p:cSld>
     <p:spTree>
@@ -4276,7 +4289,7 @@
                 <a:latin typeface="Montserrat ExtraBold"/>
                 <a:ea typeface="Montserrat ExtraBold"/>
               </a:rPr>
-              <a:t>Conclusion</a:t>
+              <a:t>Training BERT and RESNET-50 with LAMB</a:t>
             </a:r>
             <a:endParaRPr b="0" lang="en-US" sz="2400" spc="-1" strike="noStrike">
               <a:latin typeface="Arial"/>
@@ -4330,7 +4343,9 @@
                 <a:latin typeface="Montserrat"/>
                 <a:ea typeface="Montserrat"/>
               </a:rPr>
-              <a:t>Summary of the achievements in large batch optimization for deep learning, highlighting the success of LAMB in achieving state-of-the-art accuracy in training models like RESNET-50.</a:t>
+              <a:t>- Scaling the batch size to 32k for training BERT without performance degradation
+- Demonstration of the efficiency of LAMB for training state-of-the-art models like BERT and RESNET-50
+- Comparison of LAMB with existing optimizers for small batch size and datasets like CIFAR and MNIST</a:t>
             </a:r>
             <a:endParaRPr b="0" lang="en-US" sz="2000" spc="-1" strike="noStrike">
               <a:latin typeface="Arial"/>
@@ -4424,8 +4439,8 @@
 </p:sld>
 </file>
 
-<file path=ppt/slides/slide2.xml><?xml version="1.0" encoding="utf-8"?>
-<p:sld xmlns:a="http://schemas.openxmlformats.org/drawingml/2006/main" xmlns:p="http://schemas.openxmlformats.org/presentationml/2006/main" xmlns:r="http://schemas.openxmlformats.org/officeDocument/2006/relationships" xmlns:p14="http://schemas.microsoft.com/office/powerpoint/2010/main" xmlns:p15="http://schemas.microsoft.com/office/powerpoint/2012/main" xmlns:mc="http://schemas.openxmlformats.org/markup-compatibility/2006">
+<file path=ppt/slides/slide7.xml><?xml version="1.0" encoding="utf-8"?>
+<p:sld xmlns:a="http://schemas.openxmlformats.org/drawingml/2006/main" xmlns:p="http://schemas.openxmlformats.org/presentationml/2006/main" xmlns:r="http://schemas.openxmlformats.org/officeDocument/2006/relationships">
   <p:cSld>
     <p:spTree>
       <p:nvGrpSpPr>
@@ -4433,14 +4448,7 @@
         <p:cNvGrpSpPr/>
         <p:nvPr/>
       </p:nvGrpSpPr>
-      <p:grpSpPr>
-        <a:xfrm>
-          <a:off x="0" y="0"/>
-          <a:ext cx="0" cy="0"/>
-          <a:chOff x="0" y="0"/>
-          <a:chExt cx="0" cy="0"/>
-        </a:xfrm>
-      </p:grpSpPr>
+      <p:grpSpPr/>
       <p:sp>
         <p:nvSpPr>
           <p:cNvPr id="78" name="CustomShape 1"/>
@@ -4487,7 +4495,7 @@
                 <a:latin typeface="Montserrat ExtraBold"/>
                 <a:ea typeface="Montserrat ExtraBold"/>
               </a:rPr>
-              <a:t>Introduction</a:t>
+              <a:t>Experimental Results and Performance Metrics</a:t>
             </a:r>
             <a:endParaRPr b="0" lang="en-US" sz="2400" spc="-1" strike="noStrike">
               <a:latin typeface="Arial"/>
@@ -4541,7 +4549,9 @@
                 <a:latin typeface="Montserrat"/>
                 <a:ea typeface="Montserrat"/>
               </a:rPr>
-              <a:t>Large Batch Optimization for Deep Learning: Training BERT in 76 Minutes</a:t>
+              <a:t>- Details on training BERT with a focus on F1 score and top-1 accuracy
+- Comparison of scaling efficiency achieved with LAMB and mixed-batch training
+- Tuning information for achieving target accuracy with various optimizers</a:t>
             </a:r>
             <a:endParaRPr b="0" lang="en-US" sz="2000" spc="-1" strike="noStrike">
               <a:latin typeface="Arial"/>
@@ -4629,18 +4639,13 @@
       </p:sp>
     </p:spTree>
   </p:cSld>
-  <mc:AlternateContent>
-    <mc:Choice Requires="p14">
-      <p:transition spd="slow" p14:dur="2000"/>
-    </mc:Choice>
-    <mc:Fallback>
-      <p:transition spd="slow"/>
-    </mc:Fallback>
-  </mc:AlternateContent>
+  <p:clrMapOvr>
+    <a:masterClrMapping/>
+  </p:clrMapOvr>
 </p:sld>
 </file>
 
-<file path=ppt/slides/slide3.xml><?xml version="1.0" encoding="utf-8"?>
+<file path=ppt/slides/slide8.xml><?xml version="1.0" encoding="utf-8"?>
 <p:sld xmlns:a="http://schemas.openxmlformats.org/drawingml/2006/main" xmlns:p="http://schemas.openxmlformats.org/presentationml/2006/main" xmlns:r="http://schemas.openxmlformats.org/officeDocument/2006/relationships">
   <p:cSld>
     <p:spTree>
@@ -4696,7 +4701,7 @@
                 <a:latin typeface="Montserrat ExtraBold"/>
                 <a:ea typeface="Montserrat ExtraBold"/>
               </a:rPr>
-              <a:t>Motivation</a:t>
+              <a:t>Conclusion and Future Directions</a:t>
             </a:r>
             <a:endParaRPr b="0" lang="en-US" sz="2400" spc="-1" strike="noStrike">
               <a:latin typeface="Arial"/>
@@ -4750,1231 +4755,9 @@
                 <a:latin typeface="Montserrat"/>
                 <a:ea typeface="Montserrat"/>
               </a:rPr>
-              <a:t>The need for optimization solutions to accelerate training of large deep neural networks is crucial due to the increasing size of datasets.</a:t>
-            </a:r>
-            <a:endParaRPr b="0" lang="en-US" sz="2000" spc="-1" strike="noStrike">
-              <a:latin typeface="Arial"/>
-            </a:endParaRPr>
-          </a:p>
-          <a:p>
-            <a:pPr>
-              <a:lnSpc>
-                <a:spcPct val="100000"/>
-              </a:lnSpc>
-              <a:tabLst>
-                <a:tab algn="l" pos="0"/>
-              </a:tabLst>
-            </a:pPr>
-            <a:endParaRPr b="0" lang="en-US" sz="2000" spc="-1" strike="noStrike">
-              <a:latin typeface="Arial"/>
-            </a:endParaRPr>
-          </a:p>
-          <a:p>
-            <a:pPr>
-              <a:lnSpc>
-                <a:spcPct val="100000"/>
-              </a:lnSpc>
-              <a:spcAft>
-                <a:spcPts val="1599"/>
-              </a:spcAft>
-              <a:tabLst>
-                <a:tab algn="l" pos="0"/>
-              </a:tabLst>
-            </a:pPr>
-            <a:endParaRPr b="0" lang="en-US" sz="2000" spc="-1" strike="noStrike">
-              <a:latin typeface="Arial"/>
-            </a:endParaRPr>
-          </a:p>
-        </p:txBody>
-      </p:sp>
-      <p:sp>
-        <p:nvSpPr>
-          <p:cNvPr id="80" name="CustomShape 3"/>
-          <p:cNvSpPr/>
-          <p:nvPr/>
-        </p:nvSpPr>
-        <p:spPr>
-          <a:xfrm>
-            <a:off x="1026360" y="414000"/>
-            <a:ext cx="2760840" cy="360"/>
-          </a:xfrm>
-          <a:custGeom>
-            <a:avLst/>
-            <a:gdLst/>
-            <a:ahLst/>
-            <a:rect l="l" t="t" r="r" b="b"/>
-            <a:pathLst>
-              <a:path w="21600" h="21600">
-                <a:moveTo>
-                  <a:pt x="0" y="0"/>
-                </a:moveTo>
-                <a:lnTo>
-                  <a:pt x="21600" y="21600"/>
-                </a:lnTo>
-              </a:path>
-            </a:pathLst>
-          </a:custGeom>
-          <a:noFill/>
-          <a:ln w="9360">
-            <a:solidFill>
-              <a:schemeClr val="accent1"/>
-            </a:solidFill>
-            <a:round/>
-          </a:ln>
-          <a:effectLst>
-            <a:outerShdw algn="bl" blurRad="57150" dir="5400000" dist="19080" rotWithShape="0">
-              <a:srgbClr val="ffffff">
-                <a:alpha val="50000"/>
-              </a:srgbClr>
-            </a:outerShdw>
-          </a:effectLst>
-        </p:spPr>
-        <p:style>
-          <a:lnRef idx="0"/>
-          <a:fillRef idx="0"/>
-          <a:effectRef idx="0"/>
-          <a:fontRef idx="minor"/>
-        </p:style>
-      </p:sp>
-    </p:spTree>
-  </p:cSld>
-  <p:clrMapOvr>
-    <a:masterClrMapping/>
-  </p:clrMapOvr>
-</p:sld>
-</file>
-
-<file path=ppt/slides/slide4.xml><?xml version="1.0" encoding="utf-8"?>
-<p:sld xmlns:a="http://schemas.openxmlformats.org/drawingml/2006/main" xmlns:p="http://schemas.openxmlformats.org/presentationml/2006/main" xmlns:r="http://schemas.openxmlformats.org/officeDocument/2006/relationships">
-  <p:cSld>
-    <p:spTree>
-      <p:nvGrpSpPr>
-        <p:cNvPr id="1" name=""/>
-        <p:cNvGrpSpPr/>
-        <p:nvPr/>
-      </p:nvGrpSpPr>
-      <p:grpSpPr/>
-      <p:sp>
-        <p:nvSpPr>
-          <p:cNvPr id="78" name="CustomShape 1"/>
-          <p:cNvSpPr/>
-          <p:nvPr/>
-        </p:nvSpPr>
-        <p:spPr>
-          <a:xfrm>
-            <a:off x="938520" y="444960"/>
-            <a:ext cx="5733720" cy="939240"/>
-          </a:xfrm>
-          <a:prstGeom prst="rect">
-            <a:avLst/>
-          </a:prstGeom>
-          <a:noFill/>
-          <a:ln>
-            <a:noFill/>
-          </a:ln>
-        </p:spPr>
-        <p:style>
-          <a:lnRef idx="0"/>
-          <a:fillRef idx="0"/>
-          <a:effectRef idx="0"/>
-          <a:fontRef idx="minor"/>
-        </p:style>
-        <p:txBody>
-          <a:bodyPr lIns="90000" rIns="90000" tIns="91440" bIns="91440">
-            <a:noAutofit/>
-          </a:bodyPr>
-          <a:p>
-            <a:pPr>
-              <a:lnSpc>
-                <a:spcPct val="100000"/>
-              </a:lnSpc>
-              <a:tabLst>
-                <a:tab algn="l" pos="0"/>
-              </a:tabLst>
-            </a:pPr>
-            <a:r>
-              <a:rPr b="0" lang="en" sz="2400" spc="-1" strike="noStrike">
-                <a:solidFill>
-                  <a:srgbClr val="ffab40"/>
-                </a:solidFill>
-                <a:latin typeface="Montserrat ExtraBold"/>
-                <a:ea typeface="Montserrat ExtraBold"/>
-              </a:rPr>
-              <a:t>Previous Work</a:t>
-            </a:r>
-            <a:endParaRPr b="0" lang="en-US" sz="2400" spc="-1" strike="noStrike">
-              <a:latin typeface="Arial"/>
-            </a:endParaRPr>
-          </a:p>
-        </p:txBody>
-      </p:sp>
-      <p:sp>
-        <p:nvSpPr>
-          <p:cNvPr id="79" name="CustomShape 2"/>
-          <p:cNvSpPr/>
-          <p:nvPr/>
-        </p:nvSpPr>
-        <p:spPr>
-          <a:xfrm>
-            <a:off x="914400" y="1280160"/>
-            <a:ext cx="6924240" cy="2925000"/>
-          </a:xfrm>
-          <a:prstGeom prst="rect">
-            <a:avLst/>
-          </a:prstGeom>
-          <a:noFill/>
-          <a:ln>
-            <a:noFill/>
-          </a:ln>
-        </p:spPr>
-        <p:style>
-          <a:lnRef idx="0"/>
-          <a:fillRef idx="0"/>
-          <a:effectRef idx="0"/>
-          <a:fontRef idx="minor"/>
-        </p:style>
-        <p:txBody>
-          <a:bodyPr lIns="90000" rIns="90000" tIns="91440" bIns="91440">
-            <a:noAutofit/>
-          </a:bodyPr>
-          <a:p>
-            <a:pPr>
-              <a:lnSpc>
-                <a:spcPct val="100000"/>
-              </a:lnSpc>
-              <a:tabLst>
-                <a:tab algn="l" pos="0"/>
-              </a:tabLst>
-            </a:pPr>
-            <a:r>
-              <a:rPr b="0" lang="en" sz="2000" spc="-1" strike="noStrike">
-                <a:solidFill>
-                  <a:srgbClr val="ffffff"/>
-                </a:solidFill>
-                <a:latin typeface="Montserrat"/>
-                <a:ea typeface="Montserrat"/>
-              </a:rPr>
-              <a:t>Goyal et al. (2017) reduced training time of ResNet-50 from 29 hours to 1 hour using a batch size of 8192, emphasizing the importance of adaptive learning rates for large batch learning.</a:t>
-            </a:r>
-            <a:endParaRPr b="0" lang="en-US" sz="2000" spc="-1" strike="noStrike">
-              <a:latin typeface="Arial"/>
-            </a:endParaRPr>
-          </a:p>
-          <a:p>
-            <a:pPr>
-              <a:lnSpc>
-                <a:spcPct val="100000"/>
-              </a:lnSpc>
-              <a:tabLst>
-                <a:tab algn="l" pos="0"/>
-              </a:tabLst>
-            </a:pPr>
-            <a:endParaRPr b="0" lang="en-US" sz="2000" spc="-1" strike="noStrike">
-              <a:latin typeface="Arial"/>
-            </a:endParaRPr>
-          </a:p>
-          <a:p>
-            <a:pPr>
-              <a:lnSpc>
-                <a:spcPct val="100000"/>
-              </a:lnSpc>
-              <a:spcAft>
-                <a:spcPts val="1599"/>
-              </a:spcAft>
-              <a:tabLst>
-                <a:tab algn="l" pos="0"/>
-              </a:tabLst>
-            </a:pPr>
-            <a:endParaRPr b="0" lang="en-US" sz="2000" spc="-1" strike="noStrike">
-              <a:latin typeface="Arial"/>
-            </a:endParaRPr>
-          </a:p>
-        </p:txBody>
-      </p:sp>
-      <p:sp>
-        <p:nvSpPr>
-          <p:cNvPr id="80" name="CustomShape 3"/>
-          <p:cNvSpPr/>
-          <p:nvPr/>
-        </p:nvSpPr>
-        <p:spPr>
-          <a:xfrm>
-            <a:off x="1026360" y="414000"/>
-            <a:ext cx="2760840" cy="360"/>
-          </a:xfrm>
-          <a:custGeom>
-            <a:avLst/>
-            <a:gdLst/>
-            <a:ahLst/>
-            <a:rect l="l" t="t" r="r" b="b"/>
-            <a:pathLst>
-              <a:path w="21600" h="21600">
-                <a:moveTo>
-                  <a:pt x="0" y="0"/>
-                </a:moveTo>
-                <a:lnTo>
-                  <a:pt x="21600" y="21600"/>
-                </a:lnTo>
-              </a:path>
-            </a:pathLst>
-          </a:custGeom>
-          <a:noFill/>
-          <a:ln w="9360">
-            <a:solidFill>
-              <a:schemeClr val="accent1"/>
-            </a:solidFill>
-            <a:round/>
-          </a:ln>
-          <a:effectLst>
-            <a:outerShdw algn="bl" blurRad="57150" dir="5400000" dist="19080" rotWithShape="0">
-              <a:srgbClr val="ffffff">
-                <a:alpha val="50000"/>
-              </a:srgbClr>
-            </a:outerShdw>
-          </a:effectLst>
-        </p:spPr>
-        <p:style>
-          <a:lnRef idx="0"/>
-          <a:fillRef idx="0"/>
-          <a:effectRef idx="0"/>
-          <a:fontRef idx="minor"/>
-        </p:style>
-      </p:sp>
-    </p:spTree>
-  </p:cSld>
-  <p:clrMapOvr>
-    <a:masterClrMapping/>
-  </p:clrMapOvr>
-</p:sld>
-</file>
-
-<file path=ppt/slides/slide5.xml><?xml version="1.0" encoding="utf-8"?>
-<p:sld xmlns:a="http://schemas.openxmlformats.org/drawingml/2006/main" xmlns:p="http://schemas.openxmlformats.org/presentationml/2006/main" xmlns:r="http://schemas.openxmlformats.org/officeDocument/2006/relationships">
-  <p:cSld>
-    <p:spTree>
-      <p:nvGrpSpPr>
-        <p:cNvPr id="1" name=""/>
-        <p:cNvGrpSpPr/>
-        <p:nvPr/>
-      </p:nvGrpSpPr>
-      <p:grpSpPr/>
-      <p:sp>
-        <p:nvSpPr>
-          <p:cNvPr id="78" name="CustomShape 1"/>
-          <p:cNvSpPr/>
-          <p:nvPr/>
-        </p:nvSpPr>
-        <p:spPr>
-          <a:xfrm>
-            <a:off x="938520" y="444960"/>
-            <a:ext cx="5733720" cy="939240"/>
-          </a:xfrm>
-          <a:prstGeom prst="rect">
-            <a:avLst/>
-          </a:prstGeom>
-          <a:noFill/>
-          <a:ln>
-            <a:noFill/>
-          </a:ln>
-        </p:spPr>
-        <p:style>
-          <a:lnRef idx="0"/>
-          <a:fillRef idx="0"/>
-          <a:effectRef idx="0"/>
-          <a:fontRef idx="minor"/>
-        </p:style>
-        <p:txBody>
-          <a:bodyPr lIns="90000" rIns="90000" tIns="91440" bIns="91440">
-            <a:noAutofit/>
-          </a:bodyPr>
-          <a:p>
-            <a:pPr>
-              <a:lnSpc>
-                <a:spcPct val="100000"/>
-              </a:lnSpc>
-              <a:tabLst>
-                <a:tab algn="l" pos="0"/>
-              </a:tabLst>
-            </a:pPr>
-            <a:r>
-              <a:rPr b="0" lang="en" sz="2400" spc="-1" strike="noStrike">
-                <a:solidFill>
-                  <a:srgbClr val="ffab40"/>
-                </a:solidFill>
-                <a:latin typeface="Montserrat ExtraBold"/>
-                <a:ea typeface="Montserrat ExtraBold"/>
-              </a:rPr>
-              <a:t>Problem Formulation</a:t>
-            </a:r>
-            <a:endParaRPr b="0" lang="en-US" sz="2400" spc="-1" strike="noStrike">
-              <a:latin typeface="Arial"/>
-            </a:endParaRPr>
-          </a:p>
-        </p:txBody>
-      </p:sp>
-      <p:sp>
-        <p:nvSpPr>
-          <p:cNvPr id="79" name="CustomShape 2"/>
-          <p:cNvSpPr/>
-          <p:nvPr/>
-        </p:nvSpPr>
-        <p:spPr>
-          <a:xfrm>
-            <a:off x="914400" y="1280160"/>
-            <a:ext cx="6924240" cy="2925000"/>
-          </a:xfrm>
-          <a:prstGeom prst="rect">
-            <a:avLst/>
-          </a:prstGeom>
-          <a:noFill/>
-          <a:ln>
-            <a:noFill/>
-          </a:ln>
-        </p:spPr>
-        <p:style>
-          <a:lnRef idx="0"/>
-          <a:fillRef idx="0"/>
-          <a:effectRef idx="0"/>
-          <a:fontRef idx="minor"/>
-        </p:style>
-        <p:txBody>
-          <a:bodyPr lIns="90000" rIns="90000" tIns="91440" bIns="91440">
-            <a:noAutofit/>
-          </a:bodyPr>
-          <a:p>
-            <a:pPr>
-              <a:lnSpc>
-                <a:spcPct val="100000"/>
-              </a:lnSpc>
-              <a:tabLst>
-                <a:tab algn="l" pos="0"/>
-              </a:tabLst>
-            </a:pPr>
-            <a:r>
-              <a:rPr b="0" lang="en" sz="2000" spc="-1" strike="noStrike">
-                <a:solidFill>
-                  <a:srgbClr val="ffffff"/>
-                </a:solidFill>
-                <a:latin typeface="Montserrat"/>
-                <a:ea typeface="Montserrat"/>
-              </a:rPr>
-              <a:t>Studying non-convex stochastic optimization problems in the form of f(x) := Es∼P[ℓ(x, s)] + λ.2 ∥x∥2, considering stochastic gradient descent as a solution.</a:t>
-            </a:r>
-            <a:endParaRPr b="0" lang="en-US" sz="2000" spc="-1" strike="noStrike">
-              <a:latin typeface="Arial"/>
-            </a:endParaRPr>
-          </a:p>
-          <a:p>
-            <a:pPr>
-              <a:lnSpc>
-                <a:spcPct val="100000"/>
-              </a:lnSpc>
-              <a:tabLst>
-                <a:tab algn="l" pos="0"/>
-              </a:tabLst>
-            </a:pPr>
-            <a:endParaRPr b="0" lang="en-US" sz="2000" spc="-1" strike="noStrike">
-              <a:latin typeface="Arial"/>
-            </a:endParaRPr>
-          </a:p>
-          <a:p>
-            <a:pPr>
-              <a:lnSpc>
-                <a:spcPct val="100000"/>
-              </a:lnSpc>
-              <a:spcAft>
-                <a:spcPts val="1599"/>
-              </a:spcAft>
-              <a:tabLst>
-                <a:tab algn="l" pos="0"/>
-              </a:tabLst>
-            </a:pPr>
-            <a:endParaRPr b="0" lang="en-US" sz="2000" spc="-1" strike="noStrike">
-              <a:latin typeface="Arial"/>
-            </a:endParaRPr>
-          </a:p>
-        </p:txBody>
-      </p:sp>
-      <p:sp>
-        <p:nvSpPr>
-          <p:cNvPr id="80" name="CustomShape 3"/>
-          <p:cNvSpPr/>
-          <p:nvPr/>
-        </p:nvSpPr>
-        <p:spPr>
-          <a:xfrm>
-            <a:off x="1026360" y="414000"/>
-            <a:ext cx="2760840" cy="360"/>
-          </a:xfrm>
-          <a:custGeom>
-            <a:avLst/>
-            <a:gdLst/>
-            <a:ahLst/>
-            <a:rect l="l" t="t" r="r" b="b"/>
-            <a:pathLst>
-              <a:path w="21600" h="21600">
-                <a:moveTo>
-                  <a:pt x="0" y="0"/>
-                </a:moveTo>
-                <a:lnTo>
-                  <a:pt x="21600" y="21600"/>
-                </a:lnTo>
-              </a:path>
-            </a:pathLst>
-          </a:custGeom>
-          <a:noFill/>
-          <a:ln w="9360">
-            <a:solidFill>
-              <a:schemeClr val="accent1"/>
-            </a:solidFill>
-            <a:round/>
-          </a:ln>
-          <a:effectLst>
-            <a:outerShdw algn="bl" blurRad="57150" dir="5400000" dist="19080" rotWithShape="0">
-              <a:srgbClr val="ffffff">
-                <a:alpha val="50000"/>
-              </a:srgbClr>
-            </a:outerShdw>
-          </a:effectLst>
-        </p:spPr>
-        <p:style>
-          <a:lnRef idx="0"/>
-          <a:fillRef idx="0"/>
-          <a:effectRef idx="0"/>
-          <a:fontRef idx="minor"/>
-        </p:style>
-      </p:sp>
-    </p:spTree>
-  </p:cSld>
-  <p:clrMapOvr>
-    <a:masterClrMapping/>
-  </p:clrMapOvr>
-</p:sld>
-</file>
-
-<file path=ppt/slides/slide6.xml><?xml version="1.0" encoding="utf-8"?>
-<p:sld xmlns:a="http://schemas.openxmlformats.org/drawingml/2006/main" xmlns:p="http://schemas.openxmlformats.org/presentationml/2006/main" xmlns:r="http://schemas.openxmlformats.org/officeDocument/2006/relationships">
-  <p:cSld>
-    <p:spTree>
-      <p:nvGrpSpPr>
-        <p:cNvPr id="1" name=""/>
-        <p:cNvGrpSpPr/>
-        <p:nvPr/>
-      </p:nvGrpSpPr>
-      <p:grpSpPr/>
-      <p:sp>
-        <p:nvSpPr>
-          <p:cNvPr id="78" name="CustomShape 1"/>
-          <p:cNvSpPr/>
-          <p:nvPr/>
-        </p:nvSpPr>
-        <p:spPr>
-          <a:xfrm>
-            <a:off x="938520" y="444960"/>
-            <a:ext cx="5733720" cy="939240"/>
-          </a:xfrm>
-          <a:prstGeom prst="rect">
-            <a:avLst/>
-          </a:prstGeom>
-          <a:noFill/>
-          <a:ln>
-            <a:noFill/>
-          </a:ln>
-        </p:spPr>
-        <p:style>
-          <a:lnRef idx="0"/>
-          <a:fillRef idx="0"/>
-          <a:effectRef idx="0"/>
-          <a:fontRef idx="minor"/>
-        </p:style>
-        <p:txBody>
-          <a:bodyPr lIns="90000" rIns="90000" tIns="91440" bIns="91440">
-            <a:noAutofit/>
-          </a:bodyPr>
-          <a:p>
-            <a:pPr>
-              <a:lnSpc>
-                <a:spcPct val="100000"/>
-              </a:lnSpc>
-              <a:tabLst>
-                <a:tab algn="l" pos="0"/>
-              </a:tabLst>
-            </a:pPr>
-            <a:r>
-              <a:rPr b="0" lang="en" sz="2400" spc="-1" strike="noStrike">
-                <a:solidFill>
-                  <a:srgbClr val="ffab40"/>
-                </a:solidFill>
-                <a:latin typeface="Montserrat ExtraBold"/>
-                <a:ea typeface="Montserrat ExtraBold"/>
-              </a:rPr>
-              <a:t>Adaptive Learning Rate</a:t>
-            </a:r>
-            <a:endParaRPr b="0" lang="en-US" sz="2400" spc="-1" strike="noStrike">
-              <a:latin typeface="Arial"/>
-            </a:endParaRPr>
-          </a:p>
-        </p:txBody>
-      </p:sp>
-      <p:sp>
-        <p:nvSpPr>
-          <p:cNvPr id="79" name="CustomShape 2"/>
-          <p:cNvSpPr/>
-          <p:nvPr/>
-        </p:nvSpPr>
-        <p:spPr>
-          <a:xfrm>
-            <a:off x="914400" y="1280160"/>
-            <a:ext cx="6924240" cy="2925000"/>
-          </a:xfrm>
-          <a:prstGeom prst="rect">
-            <a:avLst/>
-          </a:prstGeom>
-          <a:noFill/>
-          <a:ln>
-            <a:noFill/>
-          </a:ln>
-        </p:spPr>
-        <p:style>
-          <a:lnRef idx="0"/>
-          <a:fillRef idx="0"/>
-          <a:effectRef idx="0"/>
-          <a:fontRef idx="minor"/>
-        </p:style>
-        <p:txBody>
-          <a:bodyPr lIns="90000" rIns="90000" tIns="91440" bIns="91440">
-            <a:noAutofit/>
-          </a:bodyPr>
-          <a:p>
-            <a:pPr>
-              <a:lnSpc>
-                <a:spcPct val="100000"/>
-              </a:lnSpc>
-              <a:tabLst>
-                <a:tab algn="l" pos="0"/>
-              </a:tabLst>
-            </a:pPr>
-            <a:r>
-              <a:rPr b="0" lang="en" sz="2000" spc="-1" strike="noStrike">
-                <a:solidFill>
-                  <a:srgbClr val="ffffff"/>
-                </a:solidFill>
-                <a:latin typeface="Montserrat"/>
-                <a:ea typeface="Montserrat"/>
-              </a:rPr>
-              <a:t>Discussion on adapting learning rate in large batch settings, with insights on utilizing momentum optimizer for faster convergence in deep neural networks.</a:t>
-            </a:r>
-            <a:endParaRPr b="0" lang="en-US" sz="2000" spc="-1" strike="noStrike">
-              <a:latin typeface="Arial"/>
-            </a:endParaRPr>
-          </a:p>
-          <a:p>
-            <a:pPr>
-              <a:lnSpc>
-                <a:spcPct val="100000"/>
-              </a:lnSpc>
-              <a:tabLst>
-                <a:tab algn="l" pos="0"/>
-              </a:tabLst>
-            </a:pPr>
-            <a:endParaRPr b="0" lang="en-US" sz="2000" spc="-1" strike="noStrike">
-              <a:latin typeface="Arial"/>
-            </a:endParaRPr>
-          </a:p>
-          <a:p>
-            <a:pPr>
-              <a:lnSpc>
-                <a:spcPct val="100000"/>
-              </a:lnSpc>
-              <a:spcAft>
-                <a:spcPts val="1599"/>
-              </a:spcAft>
-              <a:tabLst>
-                <a:tab algn="l" pos="0"/>
-              </a:tabLst>
-            </a:pPr>
-            <a:endParaRPr b="0" lang="en-US" sz="2000" spc="-1" strike="noStrike">
-              <a:latin typeface="Arial"/>
-            </a:endParaRPr>
-          </a:p>
-        </p:txBody>
-      </p:sp>
-      <p:sp>
-        <p:nvSpPr>
-          <p:cNvPr id="80" name="CustomShape 3"/>
-          <p:cNvSpPr/>
-          <p:nvPr/>
-        </p:nvSpPr>
-        <p:spPr>
-          <a:xfrm>
-            <a:off x="1026360" y="414000"/>
-            <a:ext cx="2760840" cy="360"/>
-          </a:xfrm>
-          <a:custGeom>
-            <a:avLst/>
-            <a:gdLst/>
-            <a:ahLst/>
-            <a:rect l="l" t="t" r="r" b="b"/>
-            <a:pathLst>
-              <a:path w="21600" h="21600">
-                <a:moveTo>
-                  <a:pt x="0" y="0"/>
-                </a:moveTo>
-                <a:lnTo>
-                  <a:pt x="21600" y="21600"/>
-                </a:lnTo>
-              </a:path>
-            </a:pathLst>
-          </a:custGeom>
-          <a:noFill/>
-          <a:ln w="9360">
-            <a:solidFill>
-              <a:schemeClr val="accent1"/>
-            </a:solidFill>
-            <a:round/>
-          </a:ln>
-          <a:effectLst>
-            <a:outerShdw algn="bl" blurRad="57150" dir="5400000" dist="19080" rotWithShape="0">
-              <a:srgbClr val="ffffff">
-                <a:alpha val="50000"/>
-              </a:srgbClr>
-            </a:outerShdw>
-          </a:effectLst>
-        </p:spPr>
-        <p:style>
-          <a:lnRef idx="0"/>
-          <a:fillRef idx="0"/>
-          <a:effectRef idx="0"/>
-          <a:fontRef idx="minor"/>
-        </p:style>
-      </p:sp>
-    </p:spTree>
-  </p:cSld>
-  <p:clrMapOvr>
-    <a:masterClrMapping/>
-  </p:clrMapOvr>
-</p:sld>
-</file>
-
-<file path=ppt/slides/slide7.xml><?xml version="1.0" encoding="utf-8"?>
-<p:sld xmlns:a="http://schemas.openxmlformats.org/drawingml/2006/main" xmlns:p="http://schemas.openxmlformats.org/presentationml/2006/main" xmlns:r="http://schemas.openxmlformats.org/officeDocument/2006/relationships">
-  <p:cSld>
-    <p:spTree>
-      <p:nvGrpSpPr>
-        <p:cNvPr id="1" name=""/>
-        <p:cNvGrpSpPr/>
-        <p:nvPr/>
-      </p:nvGrpSpPr>
-      <p:grpSpPr/>
-      <p:sp>
-        <p:nvSpPr>
-          <p:cNvPr id="78" name="CustomShape 1"/>
-          <p:cNvSpPr/>
-          <p:nvPr/>
-        </p:nvSpPr>
-        <p:spPr>
-          <a:xfrm>
-            <a:off x="938520" y="444960"/>
-            <a:ext cx="5733720" cy="939240"/>
-          </a:xfrm>
-          <a:prstGeom prst="rect">
-            <a:avLst/>
-          </a:prstGeom>
-          <a:noFill/>
-          <a:ln>
-            <a:noFill/>
-          </a:ln>
-        </p:spPr>
-        <p:style>
-          <a:lnRef idx="0"/>
-          <a:fillRef idx="0"/>
-          <a:effectRef idx="0"/>
-          <a:fontRef idx="minor"/>
-        </p:style>
-        <p:txBody>
-          <a:bodyPr lIns="90000" rIns="90000" tIns="91440" bIns="91440">
-            <a:noAutofit/>
-          </a:bodyPr>
-          <a:p>
-            <a:pPr>
-              <a:lnSpc>
-                <a:spcPct val="100000"/>
-              </a:lnSpc>
-              <a:tabLst>
-                <a:tab algn="l" pos="0"/>
-              </a:tabLst>
-            </a:pPr>
-            <a:r>
-              <a:rPr b="0" lang="en" sz="2400" spc="-1" strike="noStrike">
-                <a:solidFill>
-                  <a:srgbClr val="ffab40"/>
-                </a:solidFill>
-                <a:latin typeface="Montserrat ExtraBold"/>
-                <a:ea typeface="Montserrat ExtraBold"/>
-              </a:rPr>
-              <a:t>LARS and LAMB Optimizers</a:t>
-            </a:r>
-            <a:endParaRPr b="0" lang="en-US" sz="2400" spc="-1" strike="noStrike">
-              <a:latin typeface="Arial"/>
-            </a:endParaRPr>
-          </a:p>
-        </p:txBody>
-      </p:sp>
-      <p:sp>
-        <p:nvSpPr>
-          <p:cNvPr id="79" name="CustomShape 2"/>
-          <p:cNvSpPr/>
-          <p:nvPr/>
-        </p:nvSpPr>
-        <p:spPr>
-          <a:xfrm>
-            <a:off x="914400" y="1280160"/>
-            <a:ext cx="6924240" cy="2925000"/>
-          </a:xfrm>
-          <a:prstGeom prst="rect">
-            <a:avLst/>
-          </a:prstGeom>
-          <a:noFill/>
-          <a:ln>
-            <a:noFill/>
-          </a:ln>
-        </p:spPr>
-        <p:style>
-          <a:lnRef idx="0"/>
-          <a:fillRef idx="0"/>
-          <a:effectRef idx="0"/>
-          <a:fontRef idx="minor"/>
-        </p:style>
-        <p:txBody>
-          <a:bodyPr lIns="90000" rIns="90000" tIns="91440" bIns="91440">
-            <a:noAutofit/>
-          </a:bodyPr>
-          <a:p>
-            <a:pPr>
-              <a:lnSpc>
-                <a:spcPct val="100000"/>
-              </a:lnSpc>
-              <a:tabLst>
-                <a:tab algn="l" pos="0"/>
-              </a:tabLst>
-            </a:pPr>
-            <a:r>
-              <a:rPr b="0" lang="en" sz="2000" spc="-1" strike="noStrike">
-                <a:solidFill>
-                  <a:srgbClr val="ffffff"/>
-                </a:solidFill>
-                <a:latin typeface="Montserrat"/>
-                <a:ea typeface="Montserrat"/>
-              </a:rPr>
-              <a:t>Introducing LARS for dense gradient scenarios and LAMB for normalization with respect to the square root of the second moment, showing improved convergence rates.</a:t>
-            </a:r>
-            <a:endParaRPr b="0" lang="en-US" sz="2000" spc="-1" strike="noStrike">
-              <a:latin typeface="Arial"/>
-            </a:endParaRPr>
-          </a:p>
-          <a:p>
-            <a:pPr>
-              <a:lnSpc>
-                <a:spcPct val="100000"/>
-              </a:lnSpc>
-              <a:tabLst>
-                <a:tab algn="l" pos="0"/>
-              </a:tabLst>
-            </a:pPr>
-            <a:endParaRPr b="0" lang="en-US" sz="2000" spc="-1" strike="noStrike">
-              <a:latin typeface="Arial"/>
-            </a:endParaRPr>
-          </a:p>
-          <a:p>
-            <a:pPr>
-              <a:lnSpc>
-                <a:spcPct val="100000"/>
-              </a:lnSpc>
-              <a:spcAft>
-                <a:spcPts val="1599"/>
-              </a:spcAft>
-              <a:tabLst>
-                <a:tab algn="l" pos="0"/>
-              </a:tabLst>
-            </a:pPr>
-            <a:endParaRPr b="0" lang="en-US" sz="2000" spc="-1" strike="noStrike">
-              <a:latin typeface="Arial"/>
-            </a:endParaRPr>
-          </a:p>
-        </p:txBody>
-      </p:sp>
-      <p:sp>
-        <p:nvSpPr>
-          <p:cNvPr id="80" name="CustomShape 3"/>
-          <p:cNvSpPr/>
-          <p:nvPr/>
-        </p:nvSpPr>
-        <p:spPr>
-          <a:xfrm>
-            <a:off x="1026360" y="414000"/>
-            <a:ext cx="2760840" cy="360"/>
-          </a:xfrm>
-          <a:custGeom>
-            <a:avLst/>
-            <a:gdLst/>
-            <a:ahLst/>
-            <a:rect l="l" t="t" r="r" b="b"/>
-            <a:pathLst>
-              <a:path w="21600" h="21600">
-                <a:moveTo>
-                  <a:pt x="0" y="0"/>
-                </a:moveTo>
-                <a:lnTo>
-                  <a:pt x="21600" y="21600"/>
-                </a:lnTo>
-              </a:path>
-            </a:pathLst>
-          </a:custGeom>
-          <a:noFill/>
-          <a:ln w="9360">
-            <a:solidFill>
-              <a:schemeClr val="accent1"/>
-            </a:solidFill>
-            <a:round/>
-          </a:ln>
-          <a:effectLst>
-            <a:outerShdw algn="bl" blurRad="57150" dir="5400000" dist="19080" rotWithShape="0">
-              <a:srgbClr val="ffffff">
-                <a:alpha val="50000"/>
-              </a:srgbClr>
-            </a:outerShdw>
-          </a:effectLst>
-        </p:spPr>
-        <p:style>
-          <a:lnRef idx="0"/>
-          <a:fillRef idx="0"/>
-          <a:effectRef idx="0"/>
-          <a:fontRef idx="minor"/>
-        </p:style>
-      </p:sp>
-    </p:spTree>
-  </p:cSld>
-  <p:clrMapOvr>
-    <a:masterClrMapping/>
-  </p:clrMapOvr>
-</p:sld>
-</file>
-
-<file path=ppt/slides/slide8.xml><?xml version="1.0" encoding="utf-8"?>
-<p:sld xmlns:a="http://schemas.openxmlformats.org/drawingml/2006/main" xmlns:p="http://schemas.openxmlformats.org/presentationml/2006/main" xmlns:r="http://schemas.openxmlformats.org/officeDocument/2006/relationships">
-  <p:cSld>
-    <p:spTree>
-      <p:nvGrpSpPr>
-        <p:cNvPr id="1" name=""/>
-        <p:cNvGrpSpPr/>
-        <p:nvPr/>
-      </p:nvGrpSpPr>
-      <p:grpSpPr/>
-      <p:sp>
-        <p:nvSpPr>
-          <p:cNvPr id="78" name="CustomShape 1"/>
-          <p:cNvSpPr/>
-          <p:nvPr/>
-        </p:nvSpPr>
-        <p:spPr>
-          <a:xfrm>
-            <a:off x="938520" y="444960"/>
-            <a:ext cx="5733720" cy="939240"/>
-          </a:xfrm>
-          <a:prstGeom prst="rect">
-            <a:avLst/>
-          </a:prstGeom>
-          <a:noFill/>
-          <a:ln>
-            <a:noFill/>
-          </a:ln>
-        </p:spPr>
-        <p:style>
-          <a:lnRef idx="0"/>
-          <a:fillRef idx="0"/>
-          <a:effectRef idx="0"/>
-          <a:fontRef idx="minor"/>
-        </p:style>
-        <p:txBody>
-          <a:bodyPr lIns="90000" rIns="90000" tIns="91440" bIns="91440">
-            <a:noAutofit/>
-          </a:bodyPr>
-          <a:p>
-            <a:pPr>
-              <a:lnSpc>
-                <a:spcPct val="100000"/>
-              </a:lnSpc>
-              <a:tabLst>
-                <a:tab algn="l" pos="0"/>
-              </a:tabLst>
-            </a:pPr>
-            <a:r>
-              <a:rPr b="0" lang="en" sz="2400" spc="-1" strike="noStrike">
-                <a:solidFill>
-                  <a:srgbClr val="ffab40"/>
-                </a:solidFill>
-                <a:latin typeface="Montserrat ExtraBold"/>
-                <a:ea typeface="Montserrat ExtraBold"/>
-              </a:rPr>
-              <a:t>Experimental Results</a:t>
-            </a:r>
-            <a:endParaRPr b="0" lang="en-US" sz="2400" spc="-1" strike="noStrike">
-              <a:latin typeface="Arial"/>
-            </a:endParaRPr>
-          </a:p>
-        </p:txBody>
-      </p:sp>
-      <p:sp>
-        <p:nvSpPr>
-          <p:cNvPr id="79" name="CustomShape 2"/>
-          <p:cNvSpPr/>
-          <p:nvPr/>
-        </p:nvSpPr>
-        <p:spPr>
-          <a:xfrm>
-            <a:off x="914400" y="1280160"/>
-            <a:ext cx="6924240" cy="2925000"/>
-          </a:xfrm>
-          <a:prstGeom prst="rect">
-            <a:avLst/>
-          </a:prstGeom>
-          <a:noFill/>
-          <a:ln>
-            <a:noFill/>
-          </a:ln>
-        </p:spPr>
-        <p:style>
-          <a:lnRef idx="0"/>
-          <a:fillRef idx="0"/>
-          <a:effectRef idx="0"/>
-          <a:fontRef idx="minor"/>
-        </p:style>
-        <p:txBody>
-          <a:bodyPr lIns="90000" rIns="90000" tIns="91440" bIns="91440">
-            <a:noAutofit/>
-          </a:bodyPr>
-          <a:p>
-            <a:pPr>
-              <a:lnSpc>
-                <a:spcPct val="100000"/>
-              </a:lnSpc>
-              <a:tabLst>
-                <a:tab algn="l" pos="0"/>
-              </a:tabLst>
-            </a:pPr>
-            <a:r>
-              <a:rPr b="0" lang="en" sz="2000" spc="-1" strike="noStrike">
-                <a:solidFill>
-                  <a:srgbClr val="ffffff"/>
-                </a:solidFill>
-                <a:latin typeface="Montserrat"/>
-                <a:ea typeface="Montserrat"/>
-              </a:rPr>
-              <a:t>Demonstration of scaling BERT batch size to over 32K without performance degradation and comparison of LAMB with existing optimizers for small batch sizes and datasets.</a:t>
-            </a:r>
-            <a:endParaRPr b="0" lang="en-US" sz="2000" spc="-1" strike="noStrike">
-              <a:latin typeface="Arial"/>
-            </a:endParaRPr>
-          </a:p>
-          <a:p>
-            <a:pPr>
-              <a:lnSpc>
-                <a:spcPct val="100000"/>
-              </a:lnSpc>
-              <a:tabLst>
-                <a:tab algn="l" pos="0"/>
-              </a:tabLst>
-            </a:pPr>
-            <a:endParaRPr b="0" lang="en-US" sz="2000" spc="-1" strike="noStrike">
-              <a:latin typeface="Arial"/>
-            </a:endParaRPr>
-          </a:p>
-          <a:p>
-            <a:pPr>
-              <a:lnSpc>
-                <a:spcPct val="100000"/>
-              </a:lnSpc>
-              <a:spcAft>
-                <a:spcPts val="1599"/>
-              </a:spcAft>
-              <a:tabLst>
-                <a:tab algn="l" pos="0"/>
-              </a:tabLst>
-            </a:pPr>
-            <a:endParaRPr b="0" lang="en-US" sz="2000" spc="-1" strike="noStrike">
-              <a:latin typeface="Arial"/>
-            </a:endParaRPr>
-          </a:p>
-        </p:txBody>
-      </p:sp>
-      <p:sp>
-        <p:nvSpPr>
-          <p:cNvPr id="80" name="CustomShape 3"/>
-          <p:cNvSpPr/>
-          <p:nvPr/>
-        </p:nvSpPr>
-        <p:spPr>
-          <a:xfrm>
-            <a:off x="1026360" y="414000"/>
-            <a:ext cx="2760840" cy="360"/>
-          </a:xfrm>
-          <a:custGeom>
-            <a:avLst/>
-            <a:gdLst/>
-            <a:ahLst/>
-            <a:rect l="l" t="t" r="r" b="b"/>
-            <a:pathLst>
-              <a:path w="21600" h="21600">
-                <a:moveTo>
-                  <a:pt x="0" y="0"/>
-                </a:moveTo>
-                <a:lnTo>
-                  <a:pt x="21600" y="21600"/>
-                </a:lnTo>
-              </a:path>
-            </a:pathLst>
-          </a:custGeom>
-          <a:noFill/>
-          <a:ln w="9360">
-            <a:solidFill>
-              <a:schemeClr val="accent1"/>
-            </a:solidFill>
-            <a:round/>
-          </a:ln>
-          <a:effectLst>
-            <a:outerShdw algn="bl" blurRad="57150" dir="5400000" dist="19080" rotWithShape="0">
-              <a:srgbClr val="ffffff">
-                <a:alpha val="50000"/>
-              </a:srgbClr>
-            </a:outerShdw>
-          </a:effectLst>
-        </p:spPr>
-        <p:style>
-          <a:lnRef idx="0"/>
-          <a:fillRef idx="0"/>
-          <a:effectRef idx="0"/>
-          <a:fontRef idx="minor"/>
-        </p:style>
-      </p:sp>
-    </p:spTree>
-  </p:cSld>
-  <p:clrMapOvr>
-    <a:masterClrMapping/>
-  </p:clrMapOvr>
-</p:sld>
-</file>
-
-<file path=ppt/slides/slide9.xml><?xml version="1.0" encoding="utf-8"?>
-<p:sld xmlns:a="http://schemas.openxmlformats.org/drawingml/2006/main" xmlns:p="http://schemas.openxmlformats.org/presentationml/2006/main" xmlns:r="http://schemas.openxmlformats.org/officeDocument/2006/relationships">
-  <p:cSld>
-    <p:spTree>
-      <p:nvGrpSpPr>
-        <p:cNvPr id="1" name=""/>
-        <p:cNvGrpSpPr/>
-        <p:nvPr/>
-      </p:nvGrpSpPr>
-      <p:grpSpPr/>
-      <p:sp>
-        <p:nvSpPr>
-          <p:cNvPr id="78" name="CustomShape 1"/>
-          <p:cNvSpPr/>
-          <p:nvPr/>
-        </p:nvSpPr>
-        <p:spPr>
-          <a:xfrm>
-            <a:off x="938520" y="444960"/>
-            <a:ext cx="5733720" cy="939240"/>
-          </a:xfrm>
-          <a:prstGeom prst="rect">
-            <a:avLst/>
-          </a:prstGeom>
-          <a:noFill/>
-          <a:ln>
-            <a:noFill/>
-          </a:ln>
-        </p:spPr>
-        <p:style>
-          <a:lnRef idx="0"/>
-          <a:fillRef idx="0"/>
-          <a:effectRef idx="0"/>
-          <a:fontRef idx="minor"/>
-        </p:style>
-        <p:txBody>
-          <a:bodyPr lIns="90000" rIns="90000" tIns="91440" bIns="91440">
-            <a:noAutofit/>
-          </a:bodyPr>
-          <a:p>
-            <a:pPr>
-              <a:lnSpc>
-                <a:spcPct val="100000"/>
-              </a:lnSpc>
-              <a:tabLst>
-                <a:tab algn="l" pos="0"/>
-              </a:tabLst>
-            </a:pPr>
-            <a:r>
-              <a:rPr b="0" lang="en" sz="2400" spc="-1" strike="noStrike">
-                <a:solidFill>
-                  <a:srgbClr val="ffab40"/>
-                </a:solidFill>
-                <a:latin typeface="Montserrat ExtraBold"/>
-                <a:ea typeface="Montserrat ExtraBold"/>
-              </a:rPr>
-              <a:t>Training BERT</a:t>
-            </a:r>
-            <a:endParaRPr b="0" lang="en-US" sz="2400" spc="-1" strike="noStrike">
-              <a:latin typeface="Arial"/>
-            </a:endParaRPr>
-          </a:p>
-        </p:txBody>
-      </p:sp>
-      <p:sp>
-        <p:nvSpPr>
-          <p:cNvPr id="79" name="CustomShape 2"/>
-          <p:cNvSpPr/>
-          <p:nvPr/>
-        </p:nvSpPr>
-        <p:spPr>
-          <a:xfrm>
-            <a:off x="914400" y="1280160"/>
-            <a:ext cx="6924240" cy="2925000"/>
-          </a:xfrm>
-          <a:prstGeom prst="rect">
-            <a:avLst/>
-          </a:prstGeom>
-          <a:noFill/>
-          <a:ln>
-            <a:noFill/>
-          </a:ln>
-        </p:spPr>
-        <p:style>
-          <a:lnRef idx="0"/>
-          <a:fillRef idx="0"/>
-          <a:effectRef idx="0"/>
-          <a:fontRef idx="minor"/>
-        </p:style>
-        <p:txBody>
-          <a:bodyPr lIns="90000" rIns="90000" tIns="91440" bIns="91440">
-            <a:noAutofit/>
-          </a:bodyPr>
-          <a:p>
-            <a:pPr>
-              <a:lnSpc>
-                <a:spcPct val="100000"/>
-              </a:lnSpc>
-              <a:tabLst>
-                <a:tab algn="l" pos="0"/>
-              </a:tabLst>
-            </a:pPr>
-            <a:r>
-              <a:rPr b="0" lang="en" sz="2000" spc="-1" strike="noStrike">
-                <a:solidFill>
-                  <a:srgbClr val="ffffff"/>
-                </a:solidFill>
-                <a:latin typeface="Montserrat"/>
-                <a:ea typeface="Montserrat"/>
-              </a:rPr>
-              <a:t>Insights on BERT training procedures, utilizing the LAMB optimizer to achieve a F1 score of 91.460 and optimizing mixed-batch training for further enhancements.</a:t>
+              <a:t>- Summary of the key findings in large batch optimization for deep learning
+- Mention of future research directions and potential areas for improvement
+- Closing remarks on the significance of optimization techniques for accelerating training time</a:t>
             </a:r>
             <a:endParaRPr b="0" lang="en-US" sz="2000" spc="-1" strike="noStrike">
               <a:latin typeface="Arial"/>
